--- a/ppt 16-9/0314.当依靠主.pptx
+++ b/ppt 16-9/0314.当依靠主.pptx
@@ -5,7 +5,7 @@
     <p:sldMasterId id="2147483648" r:id="rId1"/>
   </p:sldMasterIdLst>
   <p:sldIdLst>
-    <p:sldId id="3200" r:id="rId2"/>
+    <p:sldId id="3201" r:id="rId2"/>
   </p:sldIdLst>
   <p:sldSz cx="12192000" cy="6858000"/>
   <p:notesSz cx="6858000" cy="9144000"/>
@@ -129,7 +129,7 @@
           <p:cNvPr id="2" name="标题 1">
             <a:extLst>
               <a:ext uri="{FF2B5EF4-FFF2-40B4-BE49-F238E27FC236}">
-                <a16:creationId xmlns:a16="http://schemas.microsoft.com/office/drawing/2014/main" id="{9D181BA8-B546-9DAD-8035-48B602EA9002}"/>
+                <a16:creationId xmlns:a16="http://schemas.microsoft.com/office/drawing/2014/main" id="{2D1F208E-EE1A-85BA-43C1-A265BA7D243D}"/>
               </a:ext>
             </a:extLst>
           </p:cNvPr>
@@ -166,7 +166,7 @@
           <p:cNvPr id="3" name="副标题 2">
             <a:extLst>
               <a:ext uri="{FF2B5EF4-FFF2-40B4-BE49-F238E27FC236}">
-                <a16:creationId xmlns:a16="http://schemas.microsoft.com/office/drawing/2014/main" id="{F92A1DF1-B709-DC57-CA3B-006218DDE569}"/>
+                <a16:creationId xmlns:a16="http://schemas.microsoft.com/office/drawing/2014/main" id="{54257922-F5C4-80DE-75F5-DA4D659D4EBA}"/>
               </a:ext>
             </a:extLst>
           </p:cNvPr>
@@ -236,7 +236,7 @@
           <p:cNvPr id="4" name="日期占位符 3">
             <a:extLst>
               <a:ext uri="{FF2B5EF4-FFF2-40B4-BE49-F238E27FC236}">
-                <a16:creationId xmlns:a16="http://schemas.microsoft.com/office/drawing/2014/main" id="{A70A6599-DBE0-7DD6-3898-A20DFFB7A4A0}"/>
+                <a16:creationId xmlns:a16="http://schemas.microsoft.com/office/drawing/2014/main" id="{DFE0455C-C100-5339-0194-1122FE5807B4}"/>
               </a:ext>
             </a:extLst>
           </p:cNvPr>
@@ -252,7 +252,7 @@
           <a:bodyPr/>
           <a:lstStyle/>
           <a:p>
-            <a:fld id="{000C4272-1A14-4A23-A033-488C13EA1BBE}" type="datetimeFigureOut">
+            <a:fld id="{03B01810-AE36-4E22-AEA0-5683D947C1ED}" type="datetimeFigureOut">
               <a:rPr lang="zh-CN" altLang="en-US" smtClean="0"/>
               <a:t>2024/3/10</a:t>
             </a:fld>
@@ -265,7 +265,7 @@
           <p:cNvPr id="5" name="页脚占位符 4">
             <a:extLst>
               <a:ext uri="{FF2B5EF4-FFF2-40B4-BE49-F238E27FC236}">
-                <a16:creationId xmlns:a16="http://schemas.microsoft.com/office/drawing/2014/main" id="{60BEFAF1-86CF-6E03-9FC4-D4E6A9F8E6A8}"/>
+                <a16:creationId xmlns:a16="http://schemas.microsoft.com/office/drawing/2014/main" id="{941ABF32-31F9-00FB-4F62-1210CC19ECDC}"/>
               </a:ext>
             </a:extLst>
           </p:cNvPr>
@@ -290,7 +290,7 @@
           <p:cNvPr id="6" name="灯片编号占位符 5">
             <a:extLst>
               <a:ext uri="{FF2B5EF4-FFF2-40B4-BE49-F238E27FC236}">
-                <a16:creationId xmlns:a16="http://schemas.microsoft.com/office/drawing/2014/main" id="{70C5EE2D-26D9-5DDF-7940-BCD62A7EF88F}"/>
+                <a16:creationId xmlns:a16="http://schemas.microsoft.com/office/drawing/2014/main" id="{9D7AA05E-6DD0-CB9B-AC94-EDAD359E545E}"/>
               </a:ext>
             </a:extLst>
           </p:cNvPr>
@@ -306,7 +306,7 @@
           <a:bodyPr/>
           <a:lstStyle/>
           <a:p>
-            <a:fld id="{D4443702-3911-4AE1-A477-9D99A1F99979}" type="slidenum">
+            <a:fld id="{606F3BC6-7053-42E5-BC6E-C2675B99C09F}" type="slidenum">
               <a:rPr lang="zh-CN" altLang="en-US" smtClean="0"/>
               <a:t>‹#›</a:t>
             </a:fld>
@@ -317,7 +317,7 @@
     </p:spTree>
     <p:extLst>
       <p:ext uri="{BB962C8B-B14F-4D97-AF65-F5344CB8AC3E}">
-        <p14:creationId xmlns:p14="http://schemas.microsoft.com/office/powerpoint/2010/main" val="2310507109"/>
+        <p14:creationId xmlns:p14="http://schemas.microsoft.com/office/powerpoint/2010/main" val="1884814733"/>
       </p:ext>
     </p:extLst>
   </p:cSld>
@@ -349,7 +349,7 @@
           <p:cNvPr id="2" name="标题 1">
             <a:extLst>
               <a:ext uri="{FF2B5EF4-FFF2-40B4-BE49-F238E27FC236}">
-                <a16:creationId xmlns:a16="http://schemas.microsoft.com/office/drawing/2014/main" id="{E2AE8245-CFC7-6B9B-CDBD-DB619E119BE9}"/>
+                <a16:creationId xmlns:a16="http://schemas.microsoft.com/office/drawing/2014/main" id="{275E05D8-CD1E-1B3A-B0AD-774F0916F7D5}"/>
               </a:ext>
             </a:extLst>
           </p:cNvPr>
@@ -377,7 +377,7 @@
           <p:cNvPr id="3" name="竖排文字占位符 2">
             <a:extLst>
               <a:ext uri="{FF2B5EF4-FFF2-40B4-BE49-F238E27FC236}">
-                <a16:creationId xmlns:a16="http://schemas.microsoft.com/office/drawing/2014/main" id="{C78083C5-1B0D-3126-60FA-9AF2630E560A}"/>
+                <a16:creationId xmlns:a16="http://schemas.microsoft.com/office/drawing/2014/main" id="{EB7A67A6-E2AD-31FB-8625-80617253EEA8}"/>
               </a:ext>
             </a:extLst>
           </p:cNvPr>
@@ -434,7 +434,7 @@
           <p:cNvPr id="4" name="日期占位符 3">
             <a:extLst>
               <a:ext uri="{FF2B5EF4-FFF2-40B4-BE49-F238E27FC236}">
-                <a16:creationId xmlns:a16="http://schemas.microsoft.com/office/drawing/2014/main" id="{E95BF571-1912-BCB3-99D3-EFDEF16340E1}"/>
+                <a16:creationId xmlns:a16="http://schemas.microsoft.com/office/drawing/2014/main" id="{A0605FEF-7446-E4AB-8FD7-537BA58ED87E}"/>
               </a:ext>
             </a:extLst>
           </p:cNvPr>
@@ -450,7 +450,7 @@
           <a:bodyPr/>
           <a:lstStyle/>
           <a:p>
-            <a:fld id="{000C4272-1A14-4A23-A033-488C13EA1BBE}" type="datetimeFigureOut">
+            <a:fld id="{03B01810-AE36-4E22-AEA0-5683D947C1ED}" type="datetimeFigureOut">
               <a:rPr lang="zh-CN" altLang="en-US" smtClean="0"/>
               <a:t>2024/3/10</a:t>
             </a:fld>
@@ -463,7 +463,7 @@
           <p:cNvPr id="5" name="页脚占位符 4">
             <a:extLst>
               <a:ext uri="{FF2B5EF4-FFF2-40B4-BE49-F238E27FC236}">
-                <a16:creationId xmlns:a16="http://schemas.microsoft.com/office/drawing/2014/main" id="{86789D9F-F5DC-99C5-0A2B-62FB7D0AE7DB}"/>
+                <a16:creationId xmlns:a16="http://schemas.microsoft.com/office/drawing/2014/main" id="{A11B087E-6C52-8B19-FFA2-699FF7B83852}"/>
               </a:ext>
             </a:extLst>
           </p:cNvPr>
@@ -488,7 +488,7 @@
           <p:cNvPr id="6" name="灯片编号占位符 5">
             <a:extLst>
               <a:ext uri="{FF2B5EF4-FFF2-40B4-BE49-F238E27FC236}">
-                <a16:creationId xmlns:a16="http://schemas.microsoft.com/office/drawing/2014/main" id="{8F873DB5-FBED-E6E4-3C9E-9F2FFD13518A}"/>
+                <a16:creationId xmlns:a16="http://schemas.microsoft.com/office/drawing/2014/main" id="{544A231D-4FB4-DA19-D181-9F985BFBE3E5}"/>
               </a:ext>
             </a:extLst>
           </p:cNvPr>
@@ -504,7 +504,7 @@
           <a:bodyPr/>
           <a:lstStyle/>
           <a:p>
-            <a:fld id="{D4443702-3911-4AE1-A477-9D99A1F99979}" type="slidenum">
+            <a:fld id="{606F3BC6-7053-42E5-BC6E-C2675B99C09F}" type="slidenum">
               <a:rPr lang="zh-CN" altLang="en-US" smtClean="0"/>
               <a:t>‹#›</a:t>
             </a:fld>
@@ -515,7 +515,7 @@
     </p:spTree>
     <p:extLst>
       <p:ext uri="{BB962C8B-B14F-4D97-AF65-F5344CB8AC3E}">
-        <p14:creationId xmlns:p14="http://schemas.microsoft.com/office/powerpoint/2010/main" val="4079868869"/>
+        <p14:creationId xmlns:p14="http://schemas.microsoft.com/office/powerpoint/2010/main" val="1795535303"/>
       </p:ext>
     </p:extLst>
   </p:cSld>
@@ -547,7 +547,7 @@
           <p:cNvPr id="2" name="竖排标题 1">
             <a:extLst>
               <a:ext uri="{FF2B5EF4-FFF2-40B4-BE49-F238E27FC236}">
-                <a16:creationId xmlns:a16="http://schemas.microsoft.com/office/drawing/2014/main" id="{941E8146-049B-D58F-7D15-B3F5DDA97DCF}"/>
+                <a16:creationId xmlns:a16="http://schemas.microsoft.com/office/drawing/2014/main" id="{F0B67BED-3E13-C6DF-AD2B-AC4B04129B31}"/>
               </a:ext>
             </a:extLst>
           </p:cNvPr>
@@ -580,7 +580,7 @@
           <p:cNvPr id="3" name="竖排文字占位符 2">
             <a:extLst>
               <a:ext uri="{FF2B5EF4-FFF2-40B4-BE49-F238E27FC236}">
-                <a16:creationId xmlns:a16="http://schemas.microsoft.com/office/drawing/2014/main" id="{8C2E690D-A809-481C-DE44-4BE51C48AD8B}"/>
+                <a16:creationId xmlns:a16="http://schemas.microsoft.com/office/drawing/2014/main" id="{96986BB2-9F9F-4036-124F-C9E1442C5F8C}"/>
               </a:ext>
             </a:extLst>
           </p:cNvPr>
@@ -642,7 +642,7 @@
           <p:cNvPr id="4" name="日期占位符 3">
             <a:extLst>
               <a:ext uri="{FF2B5EF4-FFF2-40B4-BE49-F238E27FC236}">
-                <a16:creationId xmlns:a16="http://schemas.microsoft.com/office/drawing/2014/main" id="{3ABA3FF6-5042-7BC6-BEF1-CAE3C5E68227}"/>
+                <a16:creationId xmlns:a16="http://schemas.microsoft.com/office/drawing/2014/main" id="{3F47549E-1125-5C38-AD88-53B23A902AD9}"/>
               </a:ext>
             </a:extLst>
           </p:cNvPr>
@@ -658,7 +658,7 @@
           <a:bodyPr/>
           <a:lstStyle/>
           <a:p>
-            <a:fld id="{000C4272-1A14-4A23-A033-488C13EA1BBE}" type="datetimeFigureOut">
+            <a:fld id="{03B01810-AE36-4E22-AEA0-5683D947C1ED}" type="datetimeFigureOut">
               <a:rPr lang="zh-CN" altLang="en-US" smtClean="0"/>
               <a:t>2024/3/10</a:t>
             </a:fld>
@@ -671,7 +671,7 @@
           <p:cNvPr id="5" name="页脚占位符 4">
             <a:extLst>
               <a:ext uri="{FF2B5EF4-FFF2-40B4-BE49-F238E27FC236}">
-                <a16:creationId xmlns:a16="http://schemas.microsoft.com/office/drawing/2014/main" id="{75185E89-2470-DB0B-1BD5-7D402ACB37A5}"/>
+                <a16:creationId xmlns:a16="http://schemas.microsoft.com/office/drawing/2014/main" id="{75BEB024-76C4-C45C-F6A5-1E15657030C6}"/>
               </a:ext>
             </a:extLst>
           </p:cNvPr>
@@ -696,7 +696,7 @@
           <p:cNvPr id="6" name="灯片编号占位符 5">
             <a:extLst>
               <a:ext uri="{FF2B5EF4-FFF2-40B4-BE49-F238E27FC236}">
-                <a16:creationId xmlns:a16="http://schemas.microsoft.com/office/drawing/2014/main" id="{11638234-2C38-2092-0260-F38B2D2A83CD}"/>
+                <a16:creationId xmlns:a16="http://schemas.microsoft.com/office/drawing/2014/main" id="{B4D18AF4-3B73-DAD4-1506-665724BF8465}"/>
               </a:ext>
             </a:extLst>
           </p:cNvPr>
@@ -712,7 +712,7 @@
           <a:bodyPr/>
           <a:lstStyle/>
           <a:p>
-            <a:fld id="{D4443702-3911-4AE1-A477-9D99A1F99979}" type="slidenum">
+            <a:fld id="{606F3BC6-7053-42E5-BC6E-C2675B99C09F}" type="slidenum">
               <a:rPr lang="zh-CN" altLang="en-US" smtClean="0"/>
               <a:t>‹#›</a:t>
             </a:fld>
@@ -723,7 +723,7 @@
     </p:spTree>
     <p:extLst>
       <p:ext uri="{BB962C8B-B14F-4D97-AF65-F5344CB8AC3E}">
-        <p14:creationId xmlns:p14="http://schemas.microsoft.com/office/powerpoint/2010/main" val="2052285359"/>
+        <p14:creationId xmlns:p14="http://schemas.microsoft.com/office/powerpoint/2010/main" val="464405255"/>
       </p:ext>
     </p:extLst>
   </p:cSld>
@@ -755,7 +755,7 @@
           <p:cNvPr id="2" name="标题 1">
             <a:extLst>
               <a:ext uri="{FF2B5EF4-FFF2-40B4-BE49-F238E27FC236}">
-                <a16:creationId xmlns:a16="http://schemas.microsoft.com/office/drawing/2014/main" id="{A5DBBB5A-69E4-0E6A-0E9F-EA6277B8D148}"/>
+                <a16:creationId xmlns:a16="http://schemas.microsoft.com/office/drawing/2014/main" id="{686361BC-5DC7-98A8-CBA3-8A326F171409}"/>
               </a:ext>
             </a:extLst>
           </p:cNvPr>
@@ -783,7 +783,7 @@
           <p:cNvPr id="3" name="内容占位符 2">
             <a:extLst>
               <a:ext uri="{FF2B5EF4-FFF2-40B4-BE49-F238E27FC236}">
-                <a16:creationId xmlns:a16="http://schemas.microsoft.com/office/drawing/2014/main" id="{003A54AC-AF2E-D4AF-5DB2-8DB0D90F446D}"/>
+                <a16:creationId xmlns:a16="http://schemas.microsoft.com/office/drawing/2014/main" id="{3C2BDE8D-435A-6710-A896-B0C5293A7985}"/>
               </a:ext>
             </a:extLst>
           </p:cNvPr>
@@ -840,7 +840,7 @@
           <p:cNvPr id="4" name="日期占位符 3">
             <a:extLst>
               <a:ext uri="{FF2B5EF4-FFF2-40B4-BE49-F238E27FC236}">
-                <a16:creationId xmlns:a16="http://schemas.microsoft.com/office/drawing/2014/main" id="{068FAF1C-7AE8-4E95-E9EF-7AEB265F357B}"/>
+                <a16:creationId xmlns:a16="http://schemas.microsoft.com/office/drawing/2014/main" id="{EC9B8DBF-E059-A605-418B-16F42D85DB21}"/>
               </a:ext>
             </a:extLst>
           </p:cNvPr>
@@ -856,7 +856,7 @@
           <a:bodyPr/>
           <a:lstStyle/>
           <a:p>
-            <a:fld id="{000C4272-1A14-4A23-A033-488C13EA1BBE}" type="datetimeFigureOut">
+            <a:fld id="{03B01810-AE36-4E22-AEA0-5683D947C1ED}" type="datetimeFigureOut">
               <a:rPr lang="zh-CN" altLang="en-US" smtClean="0"/>
               <a:t>2024/3/10</a:t>
             </a:fld>
@@ -869,7 +869,7 @@
           <p:cNvPr id="5" name="页脚占位符 4">
             <a:extLst>
               <a:ext uri="{FF2B5EF4-FFF2-40B4-BE49-F238E27FC236}">
-                <a16:creationId xmlns:a16="http://schemas.microsoft.com/office/drawing/2014/main" id="{BDD2D572-3AAE-ABA6-0E6A-49BE1EBC20F4}"/>
+                <a16:creationId xmlns:a16="http://schemas.microsoft.com/office/drawing/2014/main" id="{B3A0C38F-E912-93BE-EE64-71C959EEB32C}"/>
               </a:ext>
             </a:extLst>
           </p:cNvPr>
@@ -894,7 +894,7 @@
           <p:cNvPr id="6" name="灯片编号占位符 5">
             <a:extLst>
               <a:ext uri="{FF2B5EF4-FFF2-40B4-BE49-F238E27FC236}">
-                <a16:creationId xmlns:a16="http://schemas.microsoft.com/office/drawing/2014/main" id="{9D32F711-6C29-844C-2E71-F61208EF0A08}"/>
+                <a16:creationId xmlns:a16="http://schemas.microsoft.com/office/drawing/2014/main" id="{DB076E3B-9C04-B8A3-61CB-C68C29B8AAA8}"/>
               </a:ext>
             </a:extLst>
           </p:cNvPr>
@@ -910,7 +910,7 @@
           <a:bodyPr/>
           <a:lstStyle/>
           <a:p>
-            <a:fld id="{D4443702-3911-4AE1-A477-9D99A1F99979}" type="slidenum">
+            <a:fld id="{606F3BC6-7053-42E5-BC6E-C2675B99C09F}" type="slidenum">
               <a:rPr lang="zh-CN" altLang="en-US" smtClean="0"/>
               <a:t>‹#›</a:t>
             </a:fld>
@@ -921,7 +921,7 @@
     </p:spTree>
     <p:extLst>
       <p:ext uri="{BB962C8B-B14F-4D97-AF65-F5344CB8AC3E}">
-        <p14:creationId xmlns:p14="http://schemas.microsoft.com/office/powerpoint/2010/main" val="4096479510"/>
+        <p14:creationId xmlns:p14="http://schemas.microsoft.com/office/powerpoint/2010/main" val="2842557603"/>
       </p:ext>
     </p:extLst>
   </p:cSld>
@@ -953,7 +953,7 @@
           <p:cNvPr id="2" name="标题 1">
             <a:extLst>
               <a:ext uri="{FF2B5EF4-FFF2-40B4-BE49-F238E27FC236}">
-                <a16:creationId xmlns:a16="http://schemas.microsoft.com/office/drawing/2014/main" id="{A4E29BF9-A930-36B4-61D4-3B3BD799AFF7}"/>
+                <a16:creationId xmlns:a16="http://schemas.microsoft.com/office/drawing/2014/main" id="{C709E9D9-6D19-CD35-954B-CD994F5DEDAD}"/>
               </a:ext>
             </a:extLst>
           </p:cNvPr>
@@ -990,7 +990,7 @@
           <p:cNvPr id="3" name="文本占位符 2">
             <a:extLst>
               <a:ext uri="{FF2B5EF4-FFF2-40B4-BE49-F238E27FC236}">
-                <a16:creationId xmlns:a16="http://schemas.microsoft.com/office/drawing/2014/main" id="{FE7BA311-96E3-BBE6-F4B5-E46E98CBDBA9}"/>
+                <a16:creationId xmlns:a16="http://schemas.microsoft.com/office/drawing/2014/main" id="{7BC74A67-A59E-B86B-0F4A-0DA85270487D}"/>
               </a:ext>
             </a:extLst>
           </p:cNvPr>
@@ -1115,7 +1115,7 @@
           <p:cNvPr id="4" name="日期占位符 3">
             <a:extLst>
               <a:ext uri="{FF2B5EF4-FFF2-40B4-BE49-F238E27FC236}">
-                <a16:creationId xmlns:a16="http://schemas.microsoft.com/office/drawing/2014/main" id="{FCEEA419-C228-971C-BFD0-4151998A05AC}"/>
+                <a16:creationId xmlns:a16="http://schemas.microsoft.com/office/drawing/2014/main" id="{31FF9980-F9F6-A8DE-0E07-BCFDCC5C6ED1}"/>
               </a:ext>
             </a:extLst>
           </p:cNvPr>
@@ -1131,7 +1131,7 @@
           <a:bodyPr/>
           <a:lstStyle/>
           <a:p>
-            <a:fld id="{000C4272-1A14-4A23-A033-488C13EA1BBE}" type="datetimeFigureOut">
+            <a:fld id="{03B01810-AE36-4E22-AEA0-5683D947C1ED}" type="datetimeFigureOut">
               <a:rPr lang="zh-CN" altLang="en-US" smtClean="0"/>
               <a:t>2024/3/10</a:t>
             </a:fld>
@@ -1144,7 +1144,7 @@
           <p:cNvPr id="5" name="页脚占位符 4">
             <a:extLst>
               <a:ext uri="{FF2B5EF4-FFF2-40B4-BE49-F238E27FC236}">
-                <a16:creationId xmlns:a16="http://schemas.microsoft.com/office/drawing/2014/main" id="{A292F1BC-C0F2-CA57-25A7-BEE71AEB6F53}"/>
+                <a16:creationId xmlns:a16="http://schemas.microsoft.com/office/drawing/2014/main" id="{01A6A8FA-45CC-6621-53C7-8E246B9EC9B4}"/>
               </a:ext>
             </a:extLst>
           </p:cNvPr>
@@ -1169,7 +1169,7 @@
           <p:cNvPr id="6" name="灯片编号占位符 5">
             <a:extLst>
               <a:ext uri="{FF2B5EF4-FFF2-40B4-BE49-F238E27FC236}">
-                <a16:creationId xmlns:a16="http://schemas.microsoft.com/office/drawing/2014/main" id="{251C7490-77C8-501E-B522-5B1C483B9789}"/>
+                <a16:creationId xmlns:a16="http://schemas.microsoft.com/office/drawing/2014/main" id="{D9A031D6-DCC6-44B0-2969-717AD989D934}"/>
               </a:ext>
             </a:extLst>
           </p:cNvPr>
@@ -1185,7 +1185,7 @@
           <a:bodyPr/>
           <a:lstStyle/>
           <a:p>
-            <a:fld id="{D4443702-3911-4AE1-A477-9D99A1F99979}" type="slidenum">
+            <a:fld id="{606F3BC6-7053-42E5-BC6E-C2675B99C09F}" type="slidenum">
               <a:rPr lang="zh-CN" altLang="en-US" smtClean="0"/>
               <a:t>‹#›</a:t>
             </a:fld>
@@ -1196,7 +1196,7 @@
     </p:spTree>
     <p:extLst>
       <p:ext uri="{BB962C8B-B14F-4D97-AF65-F5344CB8AC3E}">
-        <p14:creationId xmlns:p14="http://schemas.microsoft.com/office/powerpoint/2010/main" val="3278721784"/>
+        <p14:creationId xmlns:p14="http://schemas.microsoft.com/office/powerpoint/2010/main" val="2323963628"/>
       </p:ext>
     </p:extLst>
   </p:cSld>
@@ -1228,7 +1228,7 @@
           <p:cNvPr id="2" name="标题 1">
             <a:extLst>
               <a:ext uri="{FF2B5EF4-FFF2-40B4-BE49-F238E27FC236}">
-                <a16:creationId xmlns:a16="http://schemas.microsoft.com/office/drawing/2014/main" id="{3BA3663D-B8FC-DFA2-06D5-30AFCCE8F5CC}"/>
+                <a16:creationId xmlns:a16="http://schemas.microsoft.com/office/drawing/2014/main" id="{FB5E5546-BD03-AEFE-F408-9F5957310521}"/>
               </a:ext>
             </a:extLst>
           </p:cNvPr>
@@ -1256,7 +1256,7 @@
           <p:cNvPr id="3" name="内容占位符 2">
             <a:extLst>
               <a:ext uri="{FF2B5EF4-FFF2-40B4-BE49-F238E27FC236}">
-                <a16:creationId xmlns:a16="http://schemas.microsoft.com/office/drawing/2014/main" id="{3A2EBD43-9F0E-6306-C4CD-8F731FDF2ECF}"/>
+                <a16:creationId xmlns:a16="http://schemas.microsoft.com/office/drawing/2014/main" id="{1F4663C6-AAA2-9C63-280C-E75B0011FF37}"/>
               </a:ext>
             </a:extLst>
           </p:cNvPr>
@@ -1318,7 +1318,7 @@
           <p:cNvPr id="4" name="内容占位符 3">
             <a:extLst>
               <a:ext uri="{FF2B5EF4-FFF2-40B4-BE49-F238E27FC236}">
-                <a16:creationId xmlns:a16="http://schemas.microsoft.com/office/drawing/2014/main" id="{45B6D2E7-9CFC-C683-B42E-9593684A2A6B}"/>
+                <a16:creationId xmlns:a16="http://schemas.microsoft.com/office/drawing/2014/main" id="{9752C7BC-3D39-311D-3837-A2DE343B0E5D}"/>
               </a:ext>
             </a:extLst>
           </p:cNvPr>
@@ -1380,7 +1380,7 @@
           <p:cNvPr id="5" name="日期占位符 4">
             <a:extLst>
               <a:ext uri="{FF2B5EF4-FFF2-40B4-BE49-F238E27FC236}">
-                <a16:creationId xmlns:a16="http://schemas.microsoft.com/office/drawing/2014/main" id="{5245A1F6-7877-44CB-D439-C2AC885B1FA1}"/>
+                <a16:creationId xmlns:a16="http://schemas.microsoft.com/office/drawing/2014/main" id="{E0C62AA6-CB0F-882F-7670-D23624BD9513}"/>
               </a:ext>
             </a:extLst>
           </p:cNvPr>
@@ -1396,7 +1396,7 @@
           <a:bodyPr/>
           <a:lstStyle/>
           <a:p>
-            <a:fld id="{000C4272-1A14-4A23-A033-488C13EA1BBE}" type="datetimeFigureOut">
+            <a:fld id="{03B01810-AE36-4E22-AEA0-5683D947C1ED}" type="datetimeFigureOut">
               <a:rPr lang="zh-CN" altLang="en-US" smtClean="0"/>
               <a:t>2024/3/10</a:t>
             </a:fld>
@@ -1409,7 +1409,7 @@
           <p:cNvPr id="6" name="页脚占位符 5">
             <a:extLst>
               <a:ext uri="{FF2B5EF4-FFF2-40B4-BE49-F238E27FC236}">
-                <a16:creationId xmlns:a16="http://schemas.microsoft.com/office/drawing/2014/main" id="{9107FD29-F2DE-BB6B-51F9-13B75781C529}"/>
+                <a16:creationId xmlns:a16="http://schemas.microsoft.com/office/drawing/2014/main" id="{86D3B685-B2C7-9B0F-1210-139EE9F5C815}"/>
               </a:ext>
             </a:extLst>
           </p:cNvPr>
@@ -1434,7 +1434,7 @@
           <p:cNvPr id="7" name="灯片编号占位符 6">
             <a:extLst>
               <a:ext uri="{FF2B5EF4-FFF2-40B4-BE49-F238E27FC236}">
-                <a16:creationId xmlns:a16="http://schemas.microsoft.com/office/drawing/2014/main" id="{BC82399E-A264-E444-EECC-836C951E124C}"/>
+                <a16:creationId xmlns:a16="http://schemas.microsoft.com/office/drawing/2014/main" id="{29A6728D-FE47-474D-ADCD-2C1D85C9DCA7}"/>
               </a:ext>
             </a:extLst>
           </p:cNvPr>
@@ -1450,7 +1450,7 @@
           <a:bodyPr/>
           <a:lstStyle/>
           <a:p>
-            <a:fld id="{D4443702-3911-4AE1-A477-9D99A1F99979}" type="slidenum">
+            <a:fld id="{606F3BC6-7053-42E5-BC6E-C2675B99C09F}" type="slidenum">
               <a:rPr lang="zh-CN" altLang="en-US" smtClean="0"/>
               <a:t>‹#›</a:t>
             </a:fld>
@@ -1461,7 +1461,7 @@
     </p:spTree>
     <p:extLst>
       <p:ext uri="{BB962C8B-B14F-4D97-AF65-F5344CB8AC3E}">
-        <p14:creationId xmlns:p14="http://schemas.microsoft.com/office/powerpoint/2010/main" val="676673779"/>
+        <p14:creationId xmlns:p14="http://schemas.microsoft.com/office/powerpoint/2010/main" val="1099903971"/>
       </p:ext>
     </p:extLst>
   </p:cSld>
@@ -1493,7 +1493,7 @@
           <p:cNvPr id="2" name="标题 1">
             <a:extLst>
               <a:ext uri="{FF2B5EF4-FFF2-40B4-BE49-F238E27FC236}">
-                <a16:creationId xmlns:a16="http://schemas.microsoft.com/office/drawing/2014/main" id="{F269C31D-F19D-411C-6B8C-DA7C5AD813EB}"/>
+                <a16:creationId xmlns:a16="http://schemas.microsoft.com/office/drawing/2014/main" id="{A14935D4-AEF2-4A70-7B4E-5D3DABE8B2B3}"/>
               </a:ext>
             </a:extLst>
           </p:cNvPr>
@@ -1526,7 +1526,7 @@
           <p:cNvPr id="3" name="文本占位符 2">
             <a:extLst>
               <a:ext uri="{FF2B5EF4-FFF2-40B4-BE49-F238E27FC236}">
-                <a16:creationId xmlns:a16="http://schemas.microsoft.com/office/drawing/2014/main" id="{EDD15F4A-ED84-1485-BF68-EF3AF8E09DBB}"/>
+                <a16:creationId xmlns:a16="http://schemas.microsoft.com/office/drawing/2014/main" id="{33DD9827-E999-4FB9-CBCD-F951836D4686}"/>
               </a:ext>
             </a:extLst>
           </p:cNvPr>
@@ -1597,7 +1597,7 @@
           <p:cNvPr id="4" name="内容占位符 3">
             <a:extLst>
               <a:ext uri="{FF2B5EF4-FFF2-40B4-BE49-F238E27FC236}">
-                <a16:creationId xmlns:a16="http://schemas.microsoft.com/office/drawing/2014/main" id="{9E8719C3-A05C-E75D-9A2B-9663CA82C9B6}"/>
+                <a16:creationId xmlns:a16="http://schemas.microsoft.com/office/drawing/2014/main" id="{D842186A-0121-4C8F-10DC-CD164FD6D614}"/>
               </a:ext>
             </a:extLst>
           </p:cNvPr>
@@ -1659,7 +1659,7 @@
           <p:cNvPr id="5" name="文本占位符 4">
             <a:extLst>
               <a:ext uri="{FF2B5EF4-FFF2-40B4-BE49-F238E27FC236}">
-                <a16:creationId xmlns:a16="http://schemas.microsoft.com/office/drawing/2014/main" id="{F18E9131-1789-7C7D-33DB-ED64E1766239}"/>
+                <a16:creationId xmlns:a16="http://schemas.microsoft.com/office/drawing/2014/main" id="{8E800F0F-6438-653B-DCBA-F91C01EB6642}"/>
               </a:ext>
             </a:extLst>
           </p:cNvPr>
@@ -1730,7 +1730,7 @@
           <p:cNvPr id="6" name="内容占位符 5">
             <a:extLst>
               <a:ext uri="{FF2B5EF4-FFF2-40B4-BE49-F238E27FC236}">
-                <a16:creationId xmlns:a16="http://schemas.microsoft.com/office/drawing/2014/main" id="{6EA3A951-FC9A-FF56-38EE-40F2AA274B58}"/>
+                <a16:creationId xmlns:a16="http://schemas.microsoft.com/office/drawing/2014/main" id="{AB2504AB-FB5E-D185-3B0B-A51550E54CA5}"/>
               </a:ext>
             </a:extLst>
           </p:cNvPr>
@@ -1792,7 +1792,7 @@
           <p:cNvPr id="7" name="日期占位符 6">
             <a:extLst>
               <a:ext uri="{FF2B5EF4-FFF2-40B4-BE49-F238E27FC236}">
-                <a16:creationId xmlns:a16="http://schemas.microsoft.com/office/drawing/2014/main" id="{A3161213-4E8E-B6BF-0C85-E8676C24F6E1}"/>
+                <a16:creationId xmlns:a16="http://schemas.microsoft.com/office/drawing/2014/main" id="{FB06833D-37E9-5FAB-6516-251704125480}"/>
               </a:ext>
             </a:extLst>
           </p:cNvPr>
@@ -1808,7 +1808,7 @@
           <a:bodyPr/>
           <a:lstStyle/>
           <a:p>
-            <a:fld id="{000C4272-1A14-4A23-A033-488C13EA1BBE}" type="datetimeFigureOut">
+            <a:fld id="{03B01810-AE36-4E22-AEA0-5683D947C1ED}" type="datetimeFigureOut">
               <a:rPr lang="zh-CN" altLang="en-US" smtClean="0"/>
               <a:t>2024/3/10</a:t>
             </a:fld>
@@ -1821,7 +1821,7 @@
           <p:cNvPr id="8" name="页脚占位符 7">
             <a:extLst>
               <a:ext uri="{FF2B5EF4-FFF2-40B4-BE49-F238E27FC236}">
-                <a16:creationId xmlns:a16="http://schemas.microsoft.com/office/drawing/2014/main" id="{BB733235-E561-9BA1-92E4-4D15A1DC41BB}"/>
+                <a16:creationId xmlns:a16="http://schemas.microsoft.com/office/drawing/2014/main" id="{942EEBED-873F-EC31-DFE3-D1741F74DAB9}"/>
               </a:ext>
             </a:extLst>
           </p:cNvPr>
@@ -1846,7 +1846,7 @@
           <p:cNvPr id="9" name="灯片编号占位符 8">
             <a:extLst>
               <a:ext uri="{FF2B5EF4-FFF2-40B4-BE49-F238E27FC236}">
-                <a16:creationId xmlns:a16="http://schemas.microsoft.com/office/drawing/2014/main" id="{95A29671-AC47-0908-F861-74F4C5CD85BE}"/>
+                <a16:creationId xmlns:a16="http://schemas.microsoft.com/office/drawing/2014/main" id="{FCDD161F-D75B-650A-C75D-18562C0E30CA}"/>
               </a:ext>
             </a:extLst>
           </p:cNvPr>
@@ -1862,7 +1862,7 @@
           <a:bodyPr/>
           <a:lstStyle/>
           <a:p>
-            <a:fld id="{D4443702-3911-4AE1-A477-9D99A1F99979}" type="slidenum">
+            <a:fld id="{606F3BC6-7053-42E5-BC6E-C2675B99C09F}" type="slidenum">
               <a:rPr lang="zh-CN" altLang="en-US" smtClean="0"/>
               <a:t>‹#›</a:t>
             </a:fld>
@@ -1873,7 +1873,7 @@
     </p:spTree>
     <p:extLst>
       <p:ext uri="{BB962C8B-B14F-4D97-AF65-F5344CB8AC3E}">
-        <p14:creationId xmlns:p14="http://schemas.microsoft.com/office/powerpoint/2010/main" val="3284196177"/>
+        <p14:creationId xmlns:p14="http://schemas.microsoft.com/office/powerpoint/2010/main" val="1838468285"/>
       </p:ext>
     </p:extLst>
   </p:cSld>
@@ -1905,7 +1905,7 @@
           <p:cNvPr id="2" name="标题 1">
             <a:extLst>
               <a:ext uri="{FF2B5EF4-FFF2-40B4-BE49-F238E27FC236}">
-                <a16:creationId xmlns:a16="http://schemas.microsoft.com/office/drawing/2014/main" id="{49EB8AC9-DEF9-DB0C-2196-135D64B9B4CE}"/>
+                <a16:creationId xmlns:a16="http://schemas.microsoft.com/office/drawing/2014/main" id="{A112690D-0DB4-700E-FB6A-314DCE985131}"/>
               </a:ext>
             </a:extLst>
           </p:cNvPr>
@@ -1933,7 +1933,7 @@
           <p:cNvPr id="3" name="日期占位符 2">
             <a:extLst>
               <a:ext uri="{FF2B5EF4-FFF2-40B4-BE49-F238E27FC236}">
-                <a16:creationId xmlns:a16="http://schemas.microsoft.com/office/drawing/2014/main" id="{1142EFF9-718A-7399-A902-A38BE75A6A45}"/>
+                <a16:creationId xmlns:a16="http://schemas.microsoft.com/office/drawing/2014/main" id="{61983B0B-2C03-8949-5530-03A1E3F10C7E}"/>
               </a:ext>
             </a:extLst>
           </p:cNvPr>
@@ -1949,7 +1949,7 @@
           <a:bodyPr/>
           <a:lstStyle/>
           <a:p>
-            <a:fld id="{000C4272-1A14-4A23-A033-488C13EA1BBE}" type="datetimeFigureOut">
+            <a:fld id="{03B01810-AE36-4E22-AEA0-5683D947C1ED}" type="datetimeFigureOut">
               <a:rPr lang="zh-CN" altLang="en-US" smtClean="0"/>
               <a:t>2024/3/10</a:t>
             </a:fld>
@@ -1962,7 +1962,7 @@
           <p:cNvPr id="4" name="页脚占位符 3">
             <a:extLst>
               <a:ext uri="{FF2B5EF4-FFF2-40B4-BE49-F238E27FC236}">
-                <a16:creationId xmlns:a16="http://schemas.microsoft.com/office/drawing/2014/main" id="{08761005-439A-748E-A209-998A4D1A7823}"/>
+                <a16:creationId xmlns:a16="http://schemas.microsoft.com/office/drawing/2014/main" id="{91BBCEBC-C329-AB52-FEF5-BBCB5B69BE44}"/>
               </a:ext>
             </a:extLst>
           </p:cNvPr>
@@ -1987,7 +1987,7 @@
           <p:cNvPr id="5" name="灯片编号占位符 4">
             <a:extLst>
               <a:ext uri="{FF2B5EF4-FFF2-40B4-BE49-F238E27FC236}">
-                <a16:creationId xmlns:a16="http://schemas.microsoft.com/office/drawing/2014/main" id="{BD6594CF-DD0C-0A33-59B0-555F639477F6}"/>
+                <a16:creationId xmlns:a16="http://schemas.microsoft.com/office/drawing/2014/main" id="{92715624-6DD6-A7B7-21C1-0705232C205F}"/>
               </a:ext>
             </a:extLst>
           </p:cNvPr>
@@ -2003,7 +2003,7 @@
           <a:bodyPr/>
           <a:lstStyle/>
           <a:p>
-            <a:fld id="{D4443702-3911-4AE1-A477-9D99A1F99979}" type="slidenum">
+            <a:fld id="{606F3BC6-7053-42E5-BC6E-C2675B99C09F}" type="slidenum">
               <a:rPr lang="zh-CN" altLang="en-US" smtClean="0"/>
               <a:t>‹#›</a:t>
             </a:fld>
@@ -2014,7 +2014,7 @@
     </p:spTree>
     <p:extLst>
       <p:ext uri="{BB962C8B-B14F-4D97-AF65-F5344CB8AC3E}">
-        <p14:creationId xmlns:p14="http://schemas.microsoft.com/office/powerpoint/2010/main" val="259623337"/>
+        <p14:creationId xmlns:p14="http://schemas.microsoft.com/office/powerpoint/2010/main" val="1176517745"/>
       </p:ext>
     </p:extLst>
   </p:cSld>
@@ -2046,7 +2046,7 @@
           <p:cNvPr id="2" name="日期占位符 1">
             <a:extLst>
               <a:ext uri="{FF2B5EF4-FFF2-40B4-BE49-F238E27FC236}">
-                <a16:creationId xmlns:a16="http://schemas.microsoft.com/office/drawing/2014/main" id="{58B7079D-6B69-5469-10BD-395EC98E9098}"/>
+                <a16:creationId xmlns:a16="http://schemas.microsoft.com/office/drawing/2014/main" id="{EBF17F49-05AD-2613-EA50-32FD3F79A6A8}"/>
               </a:ext>
             </a:extLst>
           </p:cNvPr>
@@ -2062,7 +2062,7 @@
           <a:bodyPr/>
           <a:lstStyle/>
           <a:p>
-            <a:fld id="{000C4272-1A14-4A23-A033-488C13EA1BBE}" type="datetimeFigureOut">
+            <a:fld id="{03B01810-AE36-4E22-AEA0-5683D947C1ED}" type="datetimeFigureOut">
               <a:rPr lang="zh-CN" altLang="en-US" smtClean="0"/>
               <a:t>2024/3/10</a:t>
             </a:fld>
@@ -2075,7 +2075,7 @@
           <p:cNvPr id="3" name="页脚占位符 2">
             <a:extLst>
               <a:ext uri="{FF2B5EF4-FFF2-40B4-BE49-F238E27FC236}">
-                <a16:creationId xmlns:a16="http://schemas.microsoft.com/office/drawing/2014/main" id="{2C86DF71-E5BA-1820-6FCB-3A2C496A80F3}"/>
+                <a16:creationId xmlns:a16="http://schemas.microsoft.com/office/drawing/2014/main" id="{1F913172-8152-A46B-B932-B2D09559A901}"/>
               </a:ext>
             </a:extLst>
           </p:cNvPr>
@@ -2100,7 +2100,7 @@
           <p:cNvPr id="4" name="灯片编号占位符 3">
             <a:extLst>
               <a:ext uri="{FF2B5EF4-FFF2-40B4-BE49-F238E27FC236}">
-                <a16:creationId xmlns:a16="http://schemas.microsoft.com/office/drawing/2014/main" id="{5B464189-4575-940D-E498-0EB831733510}"/>
+                <a16:creationId xmlns:a16="http://schemas.microsoft.com/office/drawing/2014/main" id="{2300B21E-AF56-AEC0-E9B7-D1A22C5EF607}"/>
               </a:ext>
             </a:extLst>
           </p:cNvPr>
@@ -2116,7 +2116,7 @@
           <a:bodyPr/>
           <a:lstStyle/>
           <a:p>
-            <a:fld id="{D4443702-3911-4AE1-A477-9D99A1F99979}" type="slidenum">
+            <a:fld id="{606F3BC6-7053-42E5-BC6E-C2675B99C09F}" type="slidenum">
               <a:rPr lang="zh-CN" altLang="en-US" smtClean="0"/>
               <a:t>‹#›</a:t>
             </a:fld>
@@ -2127,7 +2127,7 @@
     </p:spTree>
     <p:extLst>
       <p:ext uri="{BB962C8B-B14F-4D97-AF65-F5344CB8AC3E}">
-        <p14:creationId xmlns:p14="http://schemas.microsoft.com/office/powerpoint/2010/main" val="343421680"/>
+        <p14:creationId xmlns:p14="http://schemas.microsoft.com/office/powerpoint/2010/main" val="434244510"/>
       </p:ext>
     </p:extLst>
   </p:cSld>
@@ -2159,7 +2159,7 @@
           <p:cNvPr id="2" name="标题 1">
             <a:extLst>
               <a:ext uri="{FF2B5EF4-FFF2-40B4-BE49-F238E27FC236}">
-                <a16:creationId xmlns:a16="http://schemas.microsoft.com/office/drawing/2014/main" id="{AF5AA927-98EB-AD02-0B97-60AE2F7A202B}"/>
+                <a16:creationId xmlns:a16="http://schemas.microsoft.com/office/drawing/2014/main" id="{FAF15E14-23E8-1019-682B-91CF0B3EEB22}"/>
               </a:ext>
             </a:extLst>
           </p:cNvPr>
@@ -2196,7 +2196,7 @@
           <p:cNvPr id="3" name="内容占位符 2">
             <a:extLst>
               <a:ext uri="{FF2B5EF4-FFF2-40B4-BE49-F238E27FC236}">
-                <a16:creationId xmlns:a16="http://schemas.microsoft.com/office/drawing/2014/main" id="{84FB4D18-5E90-58D7-3EC5-F85859DA48F6}"/>
+                <a16:creationId xmlns:a16="http://schemas.microsoft.com/office/drawing/2014/main" id="{40D19BC3-C2C3-0551-1A74-DD748750E245}"/>
               </a:ext>
             </a:extLst>
           </p:cNvPr>
@@ -2286,7 +2286,7 @@
           <p:cNvPr id="4" name="文本占位符 3">
             <a:extLst>
               <a:ext uri="{FF2B5EF4-FFF2-40B4-BE49-F238E27FC236}">
-                <a16:creationId xmlns:a16="http://schemas.microsoft.com/office/drawing/2014/main" id="{E41F8BFF-1E98-83CC-6F9D-B166CACA69EC}"/>
+                <a16:creationId xmlns:a16="http://schemas.microsoft.com/office/drawing/2014/main" id="{E18A933C-6A76-3170-AFD2-281D7E4E559A}"/>
               </a:ext>
             </a:extLst>
           </p:cNvPr>
@@ -2357,7 +2357,7 @@
           <p:cNvPr id="5" name="日期占位符 4">
             <a:extLst>
               <a:ext uri="{FF2B5EF4-FFF2-40B4-BE49-F238E27FC236}">
-                <a16:creationId xmlns:a16="http://schemas.microsoft.com/office/drawing/2014/main" id="{2CA88140-8C75-9FAF-E4B5-952BAE179C21}"/>
+                <a16:creationId xmlns:a16="http://schemas.microsoft.com/office/drawing/2014/main" id="{9448EA5A-C91B-BB38-BD69-F97937E51079}"/>
               </a:ext>
             </a:extLst>
           </p:cNvPr>
@@ -2373,7 +2373,7 @@
           <a:bodyPr/>
           <a:lstStyle/>
           <a:p>
-            <a:fld id="{000C4272-1A14-4A23-A033-488C13EA1BBE}" type="datetimeFigureOut">
+            <a:fld id="{03B01810-AE36-4E22-AEA0-5683D947C1ED}" type="datetimeFigureOut">
               <a:rPr lang="zh-CN" altLang="en-US" smtClean="0"/>
               <a:t>2024/3/10</a:t>
             </a:fld>
@@ -2386,7 +2386,7 @@
           <p:cNvPr id="6" name="页脚占位符 5">
             <a:extLst>
               <a:ext uri="{FF2B5EF4-FFF2-40B4-BE49-F238E27FC236}">
-                <a16:creationId xmlns:a16="http://schemas.microsoft.com/office/drawing/2014/main" id="{E894DB3D-3EB9-74FB-EAD4-6A5B43367509}"/>
+                <a16:creationId xmlns:a16="http://schemas.microsoft.com/office/drawing/2014/main" id="{BA591560-14E8-6583-7D7F-3E92C3B0D580}"/>
               </a:ext>
             </a:extLst>
           </p:cNvPr>
@@ -2411,7 +2411,7 @@
           <p:cNvPr id="7" name="灯片编号占位符 6">
             <a:extLst>
               <a:ext uri="{FF2B5EF4-FFF2-40B4-BE49-F238E27FC236}">
-                <a16:creationId xmlns:a16="http://schemas.microsoft.com/office/drawing/2014/main" id="{CD3E2518-FCB5-15B0-D023-6C081BD2B52F}"/>
+                <a16:creationId xmlns:a16="http://schemas.microsoft.com/office/drawing/2014/main" id="{A42C18B6-E2C5-063B-DC9B-89F34F622E3A}"/>
               </a:ext>
             </a:extLst>
           </p:cNvPr>
@@ -2427,7 +2427,7 @@
           <a:bodyPr/>
           <a:lstStyle/>
           <a:p>
-            <a:fld id="{D4443702-3911-4AE1-A477-9D99A1F99979}" type="slidenum">
+            <a:fld id="{606F3BC6-7053-42E5-BC6E-C2675B99C09F}" type="slidenum">
               <a:rPr lang="zh-CN" altLang="en-US" smtClean="0"/>
               <a:t>‹#›</a:t>
             </a:fld>
@@ -2438,7 +2438,7 @@
     </p:spTree>
     <p:extLst>
       <p:ext uri="{BB962C8B-B14F-4D97-AF65-F5344CB8AC3E}">
-        <p14:creationId xmlns:p14="http://schemas.microsoft.com/office/powerpoint/2010/main" val="4250622638"/>
+        <p14:creationId xmlns:p14="http://schemas.microsoft.com/office/powerpoint/2010/main" val="3687705032"/>
       </p:ext>
     </p:extLst>
   </p:cSld>
@@ -2470,7 +2470,7 @@
           <p:cNvPr id="2" name="标题 1">
             <a:extLst>
               <a:ext uri="{FF2B5EF4-FFF2-40B4-BE49-F238E27FC236}">
-                <a16:creationId xmlns:a16="http://schemas.microsoft.com/office/drawing/2014/main" id="{C20DBFB2-1148-135B-2BF8-09B9061FDA2B}"/>
+                <a16:creationId xmlns:a16="http://schemas.microsoft.com/office/drawing/2014/main" id="{D7742F79-095C-05A8-9873-62C975C09242}"/>
               </a:ext>
             </a:extLst>
           </p:cNvPr>
@@ -2507,7 +2507,7 @@
           <p:cNvPr id="3" name="图片占位符 2">
             <a:extLst>
               <a:ext uri="{FF2B5EF4-FFF2-40B4-BE49-F238E27FC236}">
-                <a16:creationId xmlns:a16="http://schemas.microsoft.com/office/drawing/2014/main" id="{CEA4CCB8-ED3C-4B2F-F760-DD8D76242596}"/>
+                <a16:creationId xmlns:a16="http://schemas.microsoft.com/office/drawing/2014/main" id="{5866A599-E6A3-6BC2-5F5C-A206863445A9}"/>
               </a:ext>
             </a:extLst>
           </p:cNvPr>
@@ -2574,7 +2574,7 @@
           <p:cNvPr id="4" name="文本占位符 3">
             <a:extLst>
               <a:ext uri="{FF2B5EF4-FFF2-40B4-BE49-F238E27FC236}">
-                <a16:creationId xmlns:a16="http://schemas.microsoft.com/office/drawing/2014/main" id="{2282A33C-EBD6-C39A-D9F3-5FFA58F918DF}"/>
+                <a16:creationId xmlns:a16="http://schemas.microsoft.com/office/drawing/2014/main" id="{01E13525-23D7-661B-4F86-B2B328E4656C}"/>
               </a:ext>
             </a:extLst>
           </p:cNvPr>
@@ -2645,7 +2645,7 @@
           <p:cNvPr id="5" name="日期占位符 4">
             <a:extLst>
               <a:ext uri="{FF2B5EF4-FFF2-40B4-BE49-F238E27FC236}">
-                <a16:creationId xmlns:a16="http://schemas.microsoft.com/office/drawing/2014/main" id="{E6907A18-D8EE-71AD-751B-011D55AB7EE2}"/>
+                <a16:creationId xmlns:a16="http://schemas.microsoft.com/office/drawing/2014/main" id="{2878CE92-4B20-6C94-C8EE-3A7EE1C92133}"/>
               </a:ext>
             </a:extLst>
           </p:cNvPr>
@@ -2661,7 +2661,7 @@
           <a:bodyPr/>
           <a:lstStyle/>
           <a:p>
-            <a:fld id="{000C4272-1A14-4A23-A033-488C13EA1BBE}" type="datetimeFigureOut">
+            <a:fld id="{03B01810-AE36-4E22-AEA0-5683D947C1ED}" type="datetimeFigureOut">
               <a:rPr lang="zh-CN" altLang="en-US" smtClean="0"/>
               <a:t>2024/3/10</a:t>
             </a:fld>
@@ -2674,7 +2674,7 @@
           <p:cNvPr id="6" name="页脚占位符 5">
             <a:extLst>
               <a:ext uri="{FF2B5EF4-FFF2-40B4-BE49-F238E27FC236}">
-                <a16:creationId xmlns:a16="http://schemas.microsoft.com/office/drawing/2014/main" id="{16F801B8-7288-2C81-08A8-F1DCEA6FA31A}"/>
+                <a16:creationId xmlns:a16="http://schemas.microsoft.com/office/drawing/2014/main" id="{D9711D7B-28B3-5062-A466-E5CCB87617C8}"/>
               </a:ext>
             </a:extLst>
           </p:cNvPr>
@@ -2699,7 +2699,7 @@
           <p:cNvPr id="7" name="灯片编号占位符 6">
             <a:extLst>
               <a:ext uri="{FF2B5EF4-FFF2-40B4-BE49-F238E27FC236}">
-                <a16:creationId xmlns:a16="http://schemas.microsoft.com/office/drawing/2014/main" id="{EA07EAE2-2F5C-DB4C-68E0-3D5B62BC7440}"/>
+                <a16:creationId xmlns:a16="http://schemas.microsoft.com/office/drawing/2014/main" id="{268B6DDF-02EF-0363-BDFC-6FF8131D27D8}"/>
               </a:ext>
             </a:extLst>
           </p:cNvPr>
@@ -2715,7 +2715,7 @@
           <a:bodyPr/>
           <a:lstStyle/>
           <a:p>
-            <a:fld id="{D4443702-3911-4AE1-A477-9D99A1F99979}" type="slidenum">
+            <a:fld id="{606F3BC6-7053-42E5-BC6E-C2675B99C09F}" type="slidenum">
               <a:rPr lang="zh-CN" altLang="en-US" smtClean="0"/>
               <a:t>‹#›</a:t>
             </a:fld>
@@ -2726,7 +2726,7 @@
     </p:spTree>
     <p:extLst>
       <p:ext uri="{BB962C8B-B14F-4D97-AF65-F5344CB8AC3E}">
-        <p14:creationId xmlns:p14="http://schemas.microsoft.com/office/powerpoint/2010/main" val="3270011506"/>
+        <p14:creationId xmlns:p14="http://schemas.microsoft.com/office/powerpoint/2010/main" val="1158664773"/>
       </p:ext>
     </p:extLst>
   </p:cSld>
@@ -2763,7 +2763,7 @@
           <p:cNvPr id="2" name="标题占位符 1">
             <a:extLst>
               <a:ext uri="{FF2B5EF4-FFF2-40B4-BE49-F238E27FC236}">
-                <a16:creationId xmlns:a16="http://schemas.microsoft.com/office/drawing/2014/main" id="{0F4E88F6-03B4-14B0-A5B7-778BDDF8A44A}"/>
+                <a16:creationId xmlns:a16="http://schemas.microsoft.com/office/drawing/2014/main" id="{7BFB0999-07AB-803D-AE4F-F29A33AD50FF}"/>
               </a:ext>
             </a:extLst>
           </p:cNvPr>
@@ -2801,7 +2801,7 @@
           <p:cNvPr id="3" name="文本占位符 2">
             <a:extLst>
               <a:ext uri="{FF2B5EF4-FFF2-40B4-BE49-F238E27FC236}">
-                <a16:creationId xmlns:a16="http://schemas.microsoft.com/office/drawing/2014/main" id="{4FDB7A40-A76A-E6A2-89D6-AD5E2F14FEEA}"/>
+                <a16:creationId xmlns:a16="http://schemas.microsoft.com/office/drawing/2014/main" id="{F3C5EE23-F802-03E9-E6E9-22942B529367}"/>
               </a:ext>
             </a:extLst>
           </p:cNvPr>
@@ -2868,7 +2868,7 @@
           <p:cNvPr id="4" name="日期占位符 3">
             <a:extLst>
               <a:ext uri="{FF2B5EF4-FFF2-40B4-BE49-F238E27FC236}">
-                <a16:creationId xmlns:a16="http://schemas.microsoft.com/office/drawing/2014/main" id="{57624C20-69F0-F49D-9E63-D0409DD6C7A7}"/>
+                <a16:creationId xmlns:a16="http://schemas.microsoft.com/office/drawing/2014/main" id="{937D2756-A07F-A982-0490-0E9B1A1F756E}"/>
               </a:ext>
             </a:extLst>
           </p:cNvPr>
@@ -2902,7 +2902,7 @@
             </a:lvl1pPr>
           </a:lstStyle>
           <a:p>
-            <a:fld id="{000C4272-1A14-4A23-A033-488C13EA1BBE}" type="datetimeFigureOut">
+            <a:fld id="{03B01810-AE36-4E22-AEA0-5683D947C1ED}" type="datetimeFigureOut">
               <a:rPr lang="zh-CN" altLang="en-US" smtClean="0"/>
               <a:t>2024/3/10</a:t>
             </a:fld>
@@ -2915,7 +2915,7 @@
           <p:cNvPr id="5" name="页脚占位符 4">
             <a:extLst>
               <a:ext uri="{FF2B5EF4-FFF2-40B4-BE49-F238E27FC236}">
-                <a16:creationId xmlns:a16="http://schemas.microsoft.com/office/drawing/2014/main" id="{EF050125-3208-28E1-87C6-B33B0B32B379}"/>
+                <a16:creationId xmlns:a16="http://schemas.microsoft.com/office/drawing/2014/main" id="{37A63EB8-2A5F-A3D0-4F55-D961ECD93346}"/>
               </a:ext>
             </a:extLst>
           </p:cNvPr>
@@ -2958,7 +2958,7 @@
           <p:cNvPr id="6" name="灯片编号占位符 5">
             <a:extLst>
               <a:ext uri="{FF2B5EF4-FFF2-40B4-BE49-F238E27FC236}">
-                <a16:creationId xmlns:a16="http://schemas.microsoft.com/office/drawing/2014/main" id="{3A8DC41C-A496-9E06-86E2-8601FF76B6C1}"/>
+                <a16:creationId xmlns:a16="http://schemas.microsoft.com/office/drawing/2014/main" id="{629E7F5C-92E8-4294-327A-9A6D4E1C2C40}"/>
               </a:ext>
             </a:extLst>
           </p:cNvPr>
@@ -2992,7 +2992,7 @@
             </a:lvl1pPr>
           </a:lstStyle>
           <a:p>
-            <a:fld id="{D4443702-3911-4AE1-A477-9D99A1F99979}" type="slidenum">
+            <a:fld id="{606F3BC6-7053-42E5-BC6E-C2675B99C09F}" type="slidenum">
               <a:rPr lang="zh-CN" altLang="en-US" smtClean="0"/>
               <a:t>‹#›</a:t>
             </a:fld>
@@ -3003,7 +3003,7 @@
     </p:spTree>
     <p:extLst>
       <p:ext uri="{BB962C8B-B14F-4D97-AF65-F5344CB8AC3E}">
-        <p14:creationId xmlns:p14="http://schemas.microsoft.com/office/powerpoint/2010/main" val="1710991353"/>
+        <p14:creationId xmlns:p14="http://schemas.microsoft.com/office/powerpoint/2010/main" val="1302790901"/>
       </p:ext>
     </p:extLst>
   </p:cSld>
@@ -3323,7 +3323,7 @@
       </p:grpSpPr>
       <p:pic>
         <p:nvPicPr>
-          <p:cNvPr id="321538" name="Picture 2" descr="313"/>
+          <p:cNvPr id="322562" name="Picture 2" descr="314"/>
           <p:cNvPicPr>
             <a:picLocks noChangeAspect="1" noChangeArrowheads="1"/>
           </p:cNvPicPr>
@@ -3344,8 +3344,8 @@
         </p:blipFill>
         <p:spPr bwMode="auto">
           <a:xfrm>
-            <a:off x="1524000" y="1588"/>
-            <a:ext cx="9144000" cy="5300662"/>
+            <a:off x="1524000" y="0"/>
+            <a:ext cx="9144000" cy="6858000"/>
           </a:xfrm>
           <a:prstGeom prst="rect">
             <a:avLst/>
